--- a/Presentations/Unstructured Data.pptx
+++ b/Presentations/Unstructured Data.pptx
@@ -11,6 +11,7 @@
     <p:sldId id="258" r:id="rId5"/>
     <p:sldId id="259" r:id="rId6"/>
     <p:sldId id="261" r:id="rId7"/>
+    <p:sldId id="262" r:id="rId8"/>
   </p:sldIdLst>
   <p:sldSz cx="12192000" cy="6858000"/>
   <p:notesSz cx="6858000" cy="9144000"/>
@@ -109,6 +110,11 @@
       </a:defRPr>
     </a:lvl9pPr>
   </p:defaultTextStyle>
+  <p:extLst>
+    <p:ext uri="{EFAFB233-063F-42B5-8137-9DF3F51BA10A}">
+      <p15:sldGuideLst xmlns:p15="http://schemas.microsoft.com/office/powerpoint/2012/main"/>
+    </p:ext>
+  </p:extLst>
 </p:presentation>
 </file>
 
@@ -259,7 +265,7 @@
           <a:p>
             <a:fld id="{0C9BF370-C3F5-44EF-9ABB-AAA4CAFD5297}" type="datetimeFigureOut">
               <a:rPr lang="en-US" smtClean="0"/>
-              <a:t>9/24/2019</a:t>
+              <a:t>9/28/2021</a:t>
             </a:fld>
             <a:endParaRPr lang="en-US"/>
           </a:p>
@@ -457,7 +463,7 @@
           <a:p>
             <a:fld id="{0C9BF370-C3F5-44EF-9ABB-AAA4CAFD5297}" type="datetimeFigureOut">
               <a:rPr lang="en-US" smtClean="0"/>
-              <a:t>9/24/2019</a:t>
+              <a:t>9/28/2021</a:t>
             </a:fld>
             <a:endParaRPr lang="en-US"/>
           </a:p>
@@ -665,7 +671,7 @@
           <a:p>
             <a:fld id="{0C9BF370-C3F5-44EF-9ABB-AAA4CAFD5297}" type="datetimeFigureOut">
               <a:rPr lang="en-US" smtClean="0"/>
-              <a:t>9/24/2019</a:t>
+              <a:t>9/28/2021</a:t>
             </a:fld>
             <a:endParaRPr lang="en-US"/>
           </a:p>
@@ -863,7 +869,7 @@
           <a:p>
             <a:fld id="{0C9BF370-C3F5-44EF-9ABB-AAA4CAFD5297}" type="datetimeFigureOut">
               <a:rPr lang="en-US" smtClean="0"/>
-              <a:t>9/24/2019</a:t>
+              <a:t>9/28/2021</a:t>
             </a:fld>
             <a:endParaRPr lang="en-US"/>
           </a:p>
@@ -1138,7 +1144,7 @@
           <a:p>
             <a:fld id="{0C9BF370-C3F5-44EF-9ABB-AAA4CAFD5297}" type="datetimeFigureOut">
               <a:rPr lang="en-US" smtClean="0"/>
-              <a:t>9/24/2019</a:t>
+              <a:t>9/28/2021</a:t>
             </a:fld>
             <a:endParaRPr lang="en-US"/>
           </a:p>
@@ -1403,7 +1409,7 @@
           <a:p>
             <a:fld id="{0C9BF370-C3F5-44EF-9ABB-AAA4CAFD5297}" type="datetimeFigureOut">
               <a:rPr lang="en-US" smtClean="0"/>
-              <a:t>9/24/2019</a:t>
+              <a:t>9/28/2021</a:t>
             </a:fld>
             <a:endParaRPr lang="en-US"/>
           </a:p>
@@ -1815,7 +1821,7 @@
           <a:p>
             <a:fld id="{0C9BF370-C3F5-44EF-9ABB-AAA4CAFD5297}" type="datetimeFigureOut">
               <a:rPr lang="en-US" smtClean="0"/>
-              <a:t>9/24/2019</a:t>
+              <a:t>9/28/2021</a:t>
             </a:fld>
             <a:endParaRPr lang="en-US"/>
           </a:p>
@@ -1956,7 +1962,7 @@
           <a:p>
             <a:fld id="{0C9BF370-C3F5-44EF-9ABB-AAA4CAFD5297}" type="datetimeFigureOut">
               <a:rPr lang="en-US" smtClean="0"/>
-              <a:t>9/24/2019</a:t>
+              <a:t>9/28/2021</a:t>
             </a:fld>
             <a:endParaRPr lang="en-US"/>
           </a:p>
@@ -2069,7 +2075,7 @@
           <a:p>
             <a:fld id="{0C9BF370-C3F5-44EF-9ABB-AAA4CAFD5297}" type="datetimeFigureOut">
               <a:rPr lang="en-US" smtClean="0"/>
-              <a:t>9/24/2019</a:t>
+              <a:t>9/28/2021</a:t>
             </a:fld>
             <a:endParaRPr lang="en-US"/>
           </a:p>
@@ -2380,7 +2386,7 @@
           <a:p>
             <a:fld id="{0C9BF370-C3F5-44EF-9ABB-AAA4CAFD5297}" type="datetimeFigureOut">
               <a:rPr lang="en-US" smtClean="0"/>
-              <a:t>9/24/2019</a:t>
+              <a:t>9/28/2021</a:t>
             </a:fld>
             <a:endParaRPr lang="en-US"/>
           </a:p>
@@ -2668,7 +2674,7 @@
           <a:p>
             <a:fld id="{0C9BF370-C3F5-44EF-9ABB-AAA4CAFD5297}" type="datetimeFigureOut">
               <a:rPr lang="en-US" smtClean="0"/>
-              <a:t>9/24/2019</a:t>
+              <a:t>9/28/2021</a:t>
             </a:fld>
             <a:endParaRPr lang="en-US"/>
           </a:p>
@@ -2909,7 +2915,7 @@
           <a:p>
             <a:fld id="{0C9BF370-C3F5-44EF-9ABB-AAA4CAFD5297}" type="datetimeFigureOut">
               <a:rPr lang="en-US" smtClean="0"/>
-              <a:t>9/24/2019</a:t>
+              <a:t>9/28/2021</a:t>
             </a:fld>
             <a:endParaRPr lang="en-US"/>
           </a:p>
@@ -3489,7 +3495,7 @@
         </p:spPr>
         <p:txBody>
           <a:bodyPr anchor="t">
-            <a:normAutofit/>
+            <a:normAutofit fontScale="90000"/>
           </a:bodyPr>
           <a:lstStyle/>
           <a:p>
@@ -3500,7 +3506,7 @@
                   <a:srgbClr val="000000"/>
                 </a:solidFill>
               </a:rPr>
-              <a:t>Unstructured Data</a:t>
+              <a:t>Unstructured and External Data</a:t>
             </a:r>
           </a:p>
         </p:txBody>
@@ -3523,7 +3529,7 @@
         </p:nvSpPr>
         <p:spPr>
           <a:xfrm>
-            <a:off x="804788" y="3428999"/>
+            <a:off x="804786" y="3979408"/>
             <a:ext cx="4805691" cy="838831"/>
           </a:xfrm>
         </p:spPr>
@@ -3535,7 +3541,7 @@
           <a:p>
             <a:pPr algn="l"/>
             <a:r>
-              <a:rPr lang="en-US" sz="1800">
+              <a:rPr lang="en-US" sz="1800" dirty="0">
                 <a:solidFill>
                   <a:srgbClr val="000000"/>
                 </a:solidFill>
@@ -4555,6 +4561,247 @@
     <p:extLst>
       <p:ext uri="{BB962C8B-B14F-4D97-AF65-F5344CB8AC3E}">
         <p14:creationId xmlns:p14="http://schemas.microsoft.com/office/powerpoint/2010/main" val="1244927772"/>
+      </p:ext>
+    </p:extLst>
+  </p:cSld>
+  <p:clrMapOvr>
+    <a:masterClrMapping/>
+  </p:clrMapOvr>
+</p:sld>
+</file>
+
+<file path=ppt/slides/slide7.xml><?xml version="1.0" encoding="utf-8"?>
+<p:sld xmlns:a="http://schemas.openxmlformats.org/drawingml/2006/main" xmlns:r="http://schemas.openxmlformats.org/officeDocument/2006/relationships" xmlns:p="http://schemas.openxmlformats.org/presentationml/2006/main">
+  <p:cSld>
+    <p:spTree>
+      <p:nvGrpSpPr>
+        <p:cNvPr id="1" name=""/>
+        <p:cNvGrpSpPr/>
+        <p:nvPr/>
+      </p:nvGrpSpPr>
+      <p:grpSpPr>
+        <a:xfrm>
+          <a:off x="0" y="0"/>
+          <a:ext cx="0" cy="0"/>
+          <a:chOff x="0" y="0"/>
+          <a:chExt cx="0" cy="0"/>
+        </a:xfrm>
+      </p:grpSpPr>
+      <p:pic>
+        <p:nvPicPr>
+          <p:cNvPr id="5" name="Picture 4" descr="Diagram, engineering drawing&#10;&#10;Description automatically generated">
+            <a:extLst>
+              <a:ext uri="{FF2B5EF4-FFF2-40B4-BE49-F238E27FC236}">
+                <a16:creationId xmlns:a16="http://schemas.microsoft.com/office/drawing/2014/main" id="{FBE89B9F-F267-4C96-A3FB-2397AC0FB619}"/>
+              </a:ext>
+            </a:extLst>
+          </p:cNvPr>
+          <p:cNvPicPr>
+            <a:picLocks noChangeAspect="1"/>
+          </p:cNvPicPr>
+          <p:nvPr/>
+        </p:nvPicPr>
+        <p:blipFill>
+          <a:blip r:embed="rId2">
+            <a:extLst>
+              <a:ext uri="{28A0092B-C50C-407E-A947-70E740481C1C}">
+                <a14:useLocalDpi xmlns:a14="http://schemas.microsoft.com/office/drawing/2010/main" val="0"/>
+              </a:ext>
+            </a:extLst>
+          </a:blip>
+          <a:stretch>
+            <a:fillRect/>
+          </a:stretch>
+        </p:blipFill>
+        <p:spPr>
+          <a:xfrm>
+            <a:off x="0" y="0"/>
+            <a:ext cx="5405107" cy="6858000"/>
+          </a:xfrm>
+          <a:prstGeom prst="rect">
+            <a:avLst/>
+          </a:prstGeom>
+        </p:spPr>
+      </p:pic>
+      <p:sp>
+        <p:nvSpPr>
+          <p:cNvPr id="6" name="TextBox 5">
+            <a:extLst>
+              <a:ext uri="{FF2B5EF4-FFF2-40B4-BE49-F238E27FC236}">
+                <a16:creationId xmlns:a16="http://schemas.microsoft.com/office/drawing/2014/main" id="{4834FA50-B944-48AA-8985-206580F5E337}"/>
+              </a:ext>
+            </a:extLst>
+          </p:cNvPr>
+          <p:cNvSpPr txBox="1"/>
+          <p:nvPr/>
+        </p:nvSpPr>
+        <p:spPr>
+          <a:xfrm>
+            <a:off x="5916706" y="524435"/>
+            <a:ext cx="5889812" cy="6186309"/>
+          </a:xfrm>
+          <a:prstGeom prst="rect">
+            <a:avLst/>
+          </a:prstGeom>
+          <a:noFill/>
+        </p:spPr>
+        <p:txBody>
+          <a:bodyPr wrap="square" rtlCol="0">
+            <a:spAutoFit/>
+          </a:bodyPr>
+          <a:lstStyle/>
+          <a:p>
+            <a:pPr algn="ctr"/>
+            <a:r>
+              <a:rPr lang="en-US" sz="2000" dirty="0"/>
+              <a:t>Written Assignment</a:t>
+            </a:r>
+          </a:p>
+          <a:p>
+            <a:endParaRPr lang="en-US" dirty="0"/>
+          </a:p>
+          <a:p>
+            <a:pPr marL="342900" indent="-342900">
+              <a:buAutoNum type="arabicPeriod"/>
+            </a:pPr>
+            <a:r>
+              <a:rPr lang="en-US" dirty="0"/>
+              <a:t>What are some of the challenges of including external data?</a:t>
+            </a:r>
+          </a:p>
+          <a:p>
+            <a:pPr marL="800100" lvl="1" indent="-342900">
+              <a:buFont typeface="Arial" panose="020B0604020202020204" pitchFamily="34" charset="0"/>
+              <a:buChar char="•"/>
+            </a:pPr>
+            <a:r>
+              <a:rPr lang="en-US" dirty="0"/>
+              <a:t>Crossing vendors (AWS and Azure)</a:t>
+            </a:r>
+          </a:p>
+          <a:p>
+            <a:pPr marL="800100" lvl="1" indent="-342900">
+              <a:buFont typeface="Arial" panose="020B0604020202020204" pitchFamily="34" charset="0"/>
+              <a:buChar char="•"/>
+            </a:pPr>
+            <a:r>
+              <a:rPr lang="en-US" dirty="0"/>
+              <a:t>On-Prem and Cloud</a:t>
+            </a:r>
+          </a:p>
+          <a:p>
+            <a:pPr marL="800100" lvl="1" indent="-342900">
+              <a:buFont typeface="Arial" panose="020B0604020202020204" pitchFamily="34" charset="0"/>
+              <a:buChar char="•"/>
+            </a:pPr>
+            <a:r>
+              <a:rPr lang="en-US" dirty="0"/>
+              <a:t>Validation / Quality / Data Lineage / ETL vs. ELT</a:t>
+            </a:r>
+          </a:p>
+          <a:p>
+            <a:pPr marL="342900" indent="-342900">
+              <a:buAutoNum type="arabicPeriod"/>
+            </a:pPr>
+            <a:endParaRPr lang="en-US" dirty="0"/>
+          </a:p>
+          <a:p>
+            <a:pPr marL="342900" indent="-342900">
+              <a:buAutoNum type="arabicPeriod"/>
+            </a:pPr>
+            <a:r>
+              <a:rPr lang="en-US" dirty="0"/>
+              <a:t>Strengths / weaknesses of storing external data in a data lake</a:t>
+            </a:r>
+          </a:p>
+          <a:p>
+            <a:pPr marL="800100" lvl="1" indent="-342900">
+              <a:buFont typeface="Arial" panose="020B0604020202020204" pitchFamily="34" charset="0"/>
+              <a:buChar char="•"/>
+            </a:pPr>
+            <a:r>
+              <a:rPr lang="en-US" dirty="0"/>
+              <a:t>Replicate the data</a:t>
+            </a:r>
+          </a:p>
+          <a:p>
+            <a:pPr marL="800100" lvl="1" indent="-342900">
+              <a:buFont typeface="Arial" panose="020B0604020202020204" pitchFamily="34" charset="0"/>
+              <a:buChar char="•"/>
+            </a:pPr>
+            <a:r>
+              <a:rPr lang="en-US" dirty="0"/>
+              <a:t>How often to copy it (real time, batch, etc.)</a:t>
+            </a:r>
+          </a:p>
+          <a:p>
+            <a:pPr marL="800100" lvl="1" indent="-342900">
+              <a:buFont typeface="Arial" panose="020B0604020202020204" pitchFamily="34" charset="0"/>
+              <a:buChar char="•"/>
+            </a:pPr>
+            <a:r>
+              <a:rPr lang="en-US" dirty="0"/>
+              <a:t>Think about the REQUIREMENT.  Do you need more frequent (operational) or less frequent (trending)</a:t>
+            </a:r>
+          </a:p>
+          <a:p>
+            <a:pPr marL="342900" indent="-342900">
+              <a:buAutoNum type="arabicPeriod"/>
+            </a:pPr>
+            <a:endParaRPr lang="en-US" dirty="0"/>
+          </a:p>
+          <a:p>
+            <a:pPr marL="342900" indent="-342900">
+              <a:buAutoNum type="arabicPeriod"/>
+            </a:pPr>
+            <a:r>
+              <a:rPr lang="en-US" dirty="0"/>
+              <a:t>Explain some of the differences between storing this type of data within a structured environment such as a data warehouse and a more flexible data lake paradigm.</a:t>
+            </a:r>
+          </a:p>
+          <a:p>
+            <a:pPr marL="800100" lvl="1" indent="-342900">
+              <a:buFont typeface="Arial" panose="020B0604020202020204" pitchFamily="34" charset="0"/>
+              <a:buChar char="•"/>
+            </a:pPr>
+            <a:r>
+              <a:rPr lang="en-US" dirty="0"/>
+              <a:t>Start with the type of data you have</a:t>
+            </a:r>
+          </a:p>
+          <a:p>
+            <a:pPr marL="800100" lvl="1" indent="-342900">
+              <a:buFont typeface="Arial" panose="020B0604020202020204" pitchFamily="34" charset="0"/>
+              <a:buChar char="•"/>
+            </a:pPr>
+            <a:r>
+              <a:rPr lang="en-US" dirty="0"/>
+              <a:t>Which solution offers the best</a:t>
+            </a:r>
+          </a:p>
+          <a:p>
+            <a:pPr marL="800100" lvl="1" indent="-342900">
+              <a:buFont typeface="Arial" panose="020B0604020202020204" pitchFamily="34" charset="0"/>
+              <a:buChar char="•"/>
+            </a:pPr>
+            <a:r>
+              <a:rPr lang="en-US" dirty="0"/>
+              <a:t>What is driving your decision (cost, capability, agility)</a:t>
+            </a:r>
+          </a:p>
+          <a:p>
+            <a:pPr marL="800100" lvl="1" indent="-342900">
+              <a:buFont typeface="Arial" panose="020B0604020202020204" pitchFamily="34" charset="0"/>
+              <a:buChar char="•"/>
+            </a:pPr>
+            <a:endParaRPr lang="en-US" dirty="0"/>
+          </a:p>
+        </p:txBody>
+      </p:sp>
+    </p:spTree>
+    <p:extLst>
+      <p:ext uri="{BB962C8B-B14F-4D97-AF65-F5344CB8AC3E}">
+        <p14:creationId xmlns:p14="http://schemas.microsoft.com/office/powerpoint/2010/main" val="2262115776"/>
       </p:ext>
     </p:extLst>
   </p:cSld>
